--- a/Mobile Communication system/MCS-Part2/MCSLecture 2new.pptx
+++ b/Mobile Communication system/MCS-Part2/MCSLecture 2new.pptx
@@ -272,7 +272,7 @@
               <a:pPr>
                 <a:defRPr/>
               </a:pPr>
-              <a:t>10/11/2020</a:t>
+              <a:t>08/12/2021</a:t>
             </a:fld>
             <a:endParaRPr lang="en-GB"/>
           </a:p>
@@ -518,7 +518,7 @@
           </a:ln>
           <a:extLst>
             <a:ext uri="{909E8E84-426E-40dd-AFC4-6F175D3DCCD1}">
-              <a14:hiddenFill xmlns:a14="http://schemas.microsoft.com/office/drawing/2010/main" xmlns="">
+              <a14:hiddenFill xmlns="" xmlns:a14="http://schemas.microsoft.com/office/drawing/2010/main">
                 <a:solidFill>
                   <a:srgbClr val="FFFFFF"/>
                 </a:solidFill>
@@ -873,14 +873,14 @@
           </a:ln>
           <a:extLst>
             <a:ext uri="{909E8E84-426E-40dd-AFC4-6F175D3DCCD1}">
-              <a14:hiddenFill xmlns:a14="http://schemas.microsoft.com/office/drawing/2010/main" xmlns="">
+              <a14:hiddenFill xmlns="" xmlns:a14="http://schemas.microsoft.com/office/drawing/2010/main">
                 <a:solidFill>
                   <a:srgbClr val="FFFFFF"/>
                 </a:solidFill>
               </a14:hiddenFill>
             </a:ext>
             <a:ext uri="{91240B29-F687-4f45-9708-019B960494DF}">
-              <a14:hiddenLine xmlns:a14="http://schemas.microsoft.com/office/drawing/2010/main" xmlns="" w="9525">
+              <a14:hiddenLine xmlns="" xmlns:a14="http://schemas.microsoft.com/office/drawing/2010/main" w="9525">
                 <a:solidFill>
                   <a:srgbClr val="000000"/>
                 </a:solidFill>
@@ -1055,14 +1055,14 @@
           <a:ln/>
           <a:extLst>
             <a:ext uri="{909E8E84-426E-40dd-AFC4-6F175D3DCCD1}">
-              <a14:hiddenFill xmlns:a14="http://schemas.microsoft.com/office/drawing/2010/main" xmlns="">
+              <a14:hiddenFill xmlns="" xmlns:a14="http://schemas.microsoft.com/office/drawing/2010/main">
                 <a:solidFill>
                   <a:srgbClr val="FFFFFF"/>
                 </a:solidFill>
               </a14:hiddenFill>
             </a:ext>
             <a:ext uri="{91240B29-F687-4f45-9708-019B960494DF}">
-              <a14:hiddenLine xmlns:a14="http://schemas.microsoft.com/office/drawing/2010/main" xmlns="" w="9525">
+              <a14:hiddenLine xmlns="" xmlns:a14="http://schemas.microsoft.com/office/drawing/2010/main" w="9525">
                 <a:solidFill>
                   <a:srgbClr val="000000"/>
                 </a:solidFill>
@@ -1151,14 +1151,14 @@
           </a:ln>
           <a:extLst>
             <a:ext uri="{909E8E84-426E-40dd-AFC4-6F175D3DCCD1}">
-              <a14:hiddenFill xmlns:a14="http://schemas.microsoft.com/office/drawing/2010/main" xmlns="">
+              <a14:hiddenFill xmlns="" xmlns:a14="http://schemas.microsoft.com/office/drawing/2010/main">
                 <a:solidFill>
                   <a:srgbClr val="FFFFFF"/>
                 </a:solidFill>
               </a14:hiddenFill>
             </a:ext>
             <a:ext uri="{91240B29-F687-4f45-9708-019B960494DF}">
-              <a14:hiddenLine xmlns:a14="http://schemas.microsoft.com/office/drawing/2010/main" xmlns="" w="9525">
+              <a14:hiddenLine xmlns="" xmlns:a14="http://schemas.microsoft.com/office/drawing/2010/main" w="9525">
                 <a:solidFill>
                   <a:srgbClr val="000000"/>
                 </a:solidFill>
@@ -1205,14 +1205,14 @@
           </a:ln>
           <a:extLst>
             <a:ext uri="{909E8E84-426E-40dd-AFC4-6F175D3DCCD1}">
-              <a14:hiddenFill xmlns:a14="http://schemas.microsoft.com/office/drawing/2010/main" xmlns="">
+              <a14:hiddenFill xmlns="" xmlns:a14="http://schemas.microsoft.com/office/drawing/2010/main">
                 <a:solidFill>
                   <a:srgbClr val="FFFFFF"/>
                 </a:solidFill>
               </a14:hiddenFill>
             </a:ext>
             <a:ext uri="{91240B29-F687-4f45-9708-019B960494DF}">
-              <a14:hiddenLine xmlns:a14="http://schemas.microsoft.com/office/drawing/2010/main" xmlns="" w="9525">
+              <a14:hiddenLine xmlns="" xmlns:a14="http://schemas.microsoft.com/office/drawing/2010/main" w="9525">
                 <a:solidFill>
                   <a:srgbClr val="000000"/>
                 </a:solidFill>
@@ -1259,14 +1259,14 @@
           </a:ln>
           <a:extLst>
             <a:ext uri="{909E8E84-426E-40dd-AFC4-6F175D3DCCD1}">
-              <a14:hiddenFill xmlns:a14="http://schemas.microsoft.com/office/drawing/2010/main" xmlns="">
+              <a14:hiddenFill xmlns="" xmlns:a14="http://schemas.microsoft.com/office/drawing/2010/main">
                 <a:solidFill>
                   <a:srgbClr val="FFFFFF"/>
                 </a:solidFill>
               </a14:hiddenFill>
             </a:ext>
             <a:ext uri="{91240B29-F687-4f45-9708-019B960494DF}">
-              <a14:hiddenLine xmlns:a14="http://schemas.microsoft.com/office/drawing/2010/main" xmlns="" w="9525">
+              <a14:hiddenLine xmlns="" xmlns:a14="http://schemas.microsoft.com/office/drawing/2010/main" w="9525">
                 <a:solidFill>
                   <a:srgbClr val="000000"/>
                 </a:solidFill>
@@ -1354,14 +1354,14 @@
           </a:ln>
           <a:extLst>
             <a:ext uri="{909E8E84-426E-40dd-AFC4-6F175D3DCCD1}">
-              <a14:hiddenFill xmlns:a14="http://schemas.microsoft.com/office/drawing/2010/main" xmlns="">
+              <a14:hiddenFill xmlns="" xmlns:a14="http://schemas.microsoft.com/office/drawing/2010/main">
                 <a:solidFill>
                   <a:srgbClr val="FFFFFF"/>
                 </a:solidFill>
               </a14:hiddenFill>
             </a:ext>
             <a:ext uri="{91240B29-F687-4f45-9708-019B960494DF}">
-              <a14:hiddenLine xmlns:a14="http://schemas.microsoft.com/office/drawing/2010/main" xmlns="" w="9525">
+              <a14:hiddenLine xmlns="" xmlns:a14="http://schemas.microsoft.com/office/drawing/2010/main" w="9525">
                 <a:solidFill>
                   <a:srgbClr val="000000"/>
                 </a:solidFill>
@@ -1408,14 +1408,14 @@
           </a:ln>
           <a:extLst>
             <a:ext uri="{909E8E84-426E-40dd-AFC4-6F175D3DCCD1}">
-              <a14:hiddenFill xmlns:a14="http://schemas.microsoft.com/office/drawing/2010/main" xmlns="">
+              <a14:hiddenFill xmlns="" xmlns:a14="http://schemas.microsoft.com/office/drawing/2010/main">
                 <a:solidFill>
                   <a:srgbClr val="FFFFFF"/>
                 </a:solidFill>
               </a14:hiddenFill>
             </a:ext>
             <a:ext uri="{91240B29-F687-4f45-9708-019B960494DF}">
-              <a14:hiddenLine xmlns:a14="http://schemas.microsoft.com/office/drawing/2010/main" xmlns="" w="9525">
+              <a14:hiddenLine xmlns="" xmlns:a14="http://schemas.microsoft.com/office/drawing/2010/main" w="9525">
                 <a:solidFill>
                   <a:srgbClr val="000000"/>
                 </a:solidFill>
@@ -1830,14 +1830,14 @@
           </a:ln>
           <a:extLst>
             <a:ext uri="{909E8E84-426E-40dd-AFC4-6F175D3DCCD1}">
-              <a14:hiddenFill xmlns:a14="http://schemas.microsoft.com/office/drawing/2010/main" xmlns="">
+              <a14:hiddenFill xmlns="" xmlns:a14="http://schemas.microsoft.com/office/drawing/2010/main">
                 <a:solidFill>
                   <a:srgbClr val="FFFFFF"/>
                 </a:solidFill>
               </a14:hiddenFill>
             </a:ext>
             <a:ext uri="{91240B29-F687-4f45-9708-019B960494DF}">
-              <a14:hiddenLine xmlns:a14="http://schemas.microsoft.com/office/drawing/2010/main" xmlns="" w="9525">
+              <a14:hiddenLine xmlns="" xmlns:a14="http://schemas.microsoft.com/office/drawing/2010/main" w="9525">
                 <a:solidFill>
                   <a:srgbClr val="000000"/>
                 </a:solidFill>
@@ -1976,14 +1976,14 @@
             </a:ln>
             <a:extLst>
               <a:ext uri="{909E8E84-426E-40dd-AFC4-6F175D3DCCD1}">
-                <a14:hiddenFill xmlns:a14="http://schemas.microsoft.com/office/drawing/2010/main" xmlns="">
+                <a14:hiddenFill xmlns="" xmlns:a14="http://schemas.microsoft.com/office/drawing/2010/main">
                   <a:solidFill>
                     <a:srgbClr val="FFFFFF"/>
                   </a:solidFill>
                 </a14:hiddenFill>
               </a:ext>
               <a:ext uri="{91240B29-F687-4f45-9708-019B960494DF}">
-                <a14:hiddenLine xmlns:a14="http://schemas.microsoft.com/office/drawing/2010/main" xmlns="" w="9525">
+                <a14:hiddenLine xmlns="" xmlns:a14="http://schemas.microsoft.com/office/drawing/2010/main" w="9525">
                   <a:solidFill>
                     <a:srgbClr val="000000"/>
                   </a:solidFill>
@@ -2020,14 +2020,14 @@
           </a:ln>
           <a:extLst>
             <a:ext uri="{909E8E84-426E-40dd-AFC4-6F175D3DCCD1}">
-              <a14:hiddenFill xmlns:a14="http://schemas.microsoft.com/office/drawing/2010/main" xmlns="">
+              <a14:hiddenFill xmlns="" xmlns:a14="http://schemas.microsoft.com/office/drawing/2010/main">
                 <a:solidFill>
                   <a:srgbClr val="FFFFFF"/>
                 </a:solidFill>
               </a14:hiddenFill>
             </a:ext>
             <a:ext uri="{91240B29-F687-4f45-9708-019B960494DF}">
-              <a14:hiddenLine xmlns:a14="http://schemas.microsoft.com/office/drawing/2010/main" xmlns="" w="9525">
+              <a14:hiddenLine xmlns="" xmlns:a14="http://schemas.microsoft.com/office/drawing/2010/main" w="9525">
                 <a:solidFill>
                   <a:srgbClr val="000000"/>
                 </a:solidFill>
@@ -2078,14 +2078,14 @@
           </a:ln>
           <a:extLst>
             <a:ext uri="{909E8E84-426E-40dd-AFC4-6F175D3DCCD1}">
-              <a14:hiddenFill xmlns:a14="http://schemas.microsoft.com/office/drawing/2010/main" xmlns="">
+              <a14:hiddenFill xmlns="" xmlns:a14="http://schemas.microsoft.com/office/drawing/2010/main">
                 <a:solidFill>
                   <a:srgbClr val="FFFFFF"/>
                 </a:solidFill>
               </a14:hiddenFill>
             </a:ext>
             <a:ext uri="{91240B29-F687-4f45-9708-019B960494DF}">
-              <a14:hiddenLine xmlns:a14="http://schemas.microsoft.com/office/drawing/2010/main" xmlns="" w="9525">
+              <a14:hiddenLine xmlns="" xmlns:a14="http://schemas.microsoft.com/office/drawing/2010/main" w="9525">
                 <a:solidFill>
                   <a:srgbClr val="000000"/>
                 </a:solidFill>
@@ -2798,7 +2798,7 @@
           <a:graphicData uri="http://schemas.openxmlformats.org/presentationml/2006/ole">
             <mc:AlternateContent xmlns:mc="http://schemas.openxmlformats.org/markup-compatibility/2006">
               <mc:Choice xmlns:v="urn:schemas-microsoft-com:vml" Requires="v">
-                <p:oleObj spid="_x0000_s9238" name="Document" r:id="rId3" imgW="5943600" imgH="4406900" progId="Word.Document.12">
+                <p:oleObj spid="_x0000_s9239" name="Document" r:id="rId3" imgW="5943600" imgH="4406900" progId="Word.Document.12">
                   <p:embed/>
                 </p:oleObj>
               </mc:Choice>
@@ -2926,7 +2926,7 @@
           <a:graphicData uri="http://schemas.openxmlformats.org/presentationml/2006/ole">
             <mc:AlternateContent xmlns:mc="http://schemas.openxmlformats.org/markup-compatibility/2006">
               <mc:Choice xmlns:v="urn:schemas-microsoft-com:vml" Requires="v">
-                <p:oleObj spid="_x0000_s11277" name="Document" r:id="rId3" imgW="5943600" imgH="4051300" progId="Word.Document.12">
+                <p:oleObj spid="_x0000_s11278" name="Document" r:id="rId3" imgW="5943600" imgH="4051300" progId="Word.Document.12">
                   <p:embed/>
                 </p:oleObj>
               </mc:Choice>
@@ -3430,7 +3430,7 @@
           <a:graphicData uri="http://schemas.openxmlformats.org/presentationml/2006/ole">
             <mc:AlternateContent xmlns:mc="http://schemas.openxmlformats.org/markup-compatibility/2006">
               <mc:Choice xmlns:v="urn:schemas-microsoft-com:vml" Requires="v">
-                <p:oleObj spid="_x0000_s18444" r:id="rId3" imgW="17551400" imgH="4978400" progId="Equation.3">
+                <p:oleObj spid="_x0000_s18445" r:id="rId3" imgW="17551400" imgH="4978400" progId="Equation.3">
                   <p:embed/>
                 </p:oleObj>
               </mc:Choice>
@@ -3938,7 +3938,7 @@
           <a:graphicData uri="http://schemas.openxmlformats.org/presentationml/2006/ole">
             <mc:AlternateContent xmlns:mc="http://schemas.openxmlformats.org/markup-compatibility/2006">
               <mc:Choice xmlns:v="urn:schemas-microsoft-com:vml" Requires="v">
-                <p:oleObj spid="_x0000_s22547" name="Document" r:id="rId3" imgW="5943600" imgH="1104900" progId="Word.Document.12">
+                <p:oleObj spid="_x0000_s22549" name="Document" r:id="rId3" imgW="5943600" imgH="1104900" progId="Word.Document.12">
                   <p:embed/>
                 </p:oleObj>
               </mc:Choice>
@@ -3988,20 +3988,20 @@
           <p:nvPr>
             <p:extLst>
               <p:ext uri="{D42A27DB-BD31-4B8C-83A1-F6EECF244321}">
-                <p14:modId xmlns:p14="http://schemas.microsoft.com/office/powerpoint/2010/main" val="3196675180"/>
+                <p14:modId xmlns:p14="http://schemas.microsoft.com/office/powerpoint/2010/main" val="2377003958"/>
               </p:ext>
             </p:extLst>
           </p:nvPr>
         </p:nvGraphicFramePr>
         <p:xfrm>
-          <a:off x="850557" y="942031"/>
+          <a:off x="861987" y="942031"/>
           <a:ext cx="4960807" cy="5162207"/>
         </p:xfrm>
         <a:graphic>
           <a:graphicData uri="http://schemas.openxmlformats.org/presentationml/2006/ole">
             <mc:AlternateContent xmlns:mc="http://schemas.openxmlformats.org/markup-compatibility/2006">
               <mc:Choice xmlns:v="urn:schemas-microsoft-com:vml" Requires="v">
-                <p:oleObj spid="_x0000_s22548" name="Document" r:id="rId5" imgW="5943600" imgH="6184900" progId="Word.Document.12">
+                <p:oleObj spid="_x0000_s22550" name="Document" r:id="rId5" imgW="5943600" imgH="6184900" progId="Word.Document.12">
                   <p:embed/>
                 </p:oleObj>
               </mc:Choice>
@@ -4022,7 +4022,7 @@
                     </p:blipFill>
                     <p:spPr>
                       <a:xfrm>
-                        <a:off x="850557" y="942031"/>
+                        <a:off x="861987" y="942031"/>
                         <a:ext cx="4960807" cy="5162207"/>
                       </a:xfrm>
                       <a:prstGeom prst="rect">
@@ -4349,7 +4349,7 @@
           <a:graphicData uri="http://schemas.openxmlformats.org/presentationml/2006/ole">
             <mc:AlternateContent xmlns:mc="http://schemas.openxmlformats.org/markup-compatibility/2006">
               <mc:Choice xmlns:v="urn:schemas-microsoft-com:vml" Requires="v">
-                <p:oleObj spid="_x0000_s23563" name="Document" r:id="rId3" imgW="5943600" imgH="3733800" progId="Word.Document.12">
+                <p:oleObj spid="_x0000_s23564" name="Document" r:id="rId3" imgW="5943600" imgH="3733800" progId="Word.Document.12">
                   <p:embed/>
                 </p:oleObj>
               </mc:Choice>
@@ -5144,7 +5144,7 @@
           <a:graphicData uri="http://schemas.openxmlformats.org/presentationml/2006/ole">
             <mc:AlternateContent xmlns:mc="http://schemas.openxmlformats.org/markup-compatibility/2006">
               <mc:Choice xmlns:v="urn:schemas-microsoft-com:vml" Requires="v">
-                <p:oleObj spid="_x0000_s2071" name="Document" r:id="rId3" imgW="5943600" imgH="4800600" progId="Word.Document.12">
+                <p:oleObj spid="_x0000_s2072" name="Document" r:id="rId3" imgW="5943600" imgH="4800600" progId="Word.Document.12">
                   <p:embed/>
                 </p:oleObj>
               </mc:Choice>
@@ -5300,7 +5300,7 @@
           <a:graphicData uri="http://schemas.openxmlformats.org/presentationml/2006/ole">
             <mc:AlternateContent xmlns:mc="http://schemas.openxmlformats.org/markup-compatibility/2006">
               <mc:Choice xmlns:v="urn:schemas-microsoft-com:vml" Requires="v">
-                <p:oleObj spid="_x0000_s3087" name="Document" r:id="rId3" imgW="5943600" imgH="3505200" progId="Word.Document.12">
+                <p:oleObj spid="_x0000_s3088" name="Document" r:id="rId3" imgW="5943600" imgH="3505200" progId="Word.Document.12">
                   <p:embed/>
                 </p:oleObj>
               </mc:Choice>
@@ -5525,7 +5525,7 @@
           <a:graphicData uri="http://schemas.openxmlformats.org/presentationml/2006/ole">
             <mc:AlternateContent xmlns:mc="http://schemas.openxmlformats.org/markup-compatibility/2006">
               <mc:Choice xmlns:v="urn:schemas-microsoft-com:vml" Requires="v">
-                <p:oleObj spid="_x0000_s5173" r:id="rId3" imgW="3403600" imgH="3365500" progId="MSPhotoEd.3">
+                <p:oleObj spid="_x0000_s5176" r:id="rId3" imgW="3403600" imgH="3365500" progId="MSPhotoEd.3">
                   <p:embed/>
                 </p:oleObj>
               </mc:Choice>
@@ -5783,7 +5783,7 @@
           <a:graphicData uri="http://schemas.openxmlformats.org/presentationml/2006/ole">
             <mc:AlternateContent xmlns:mc="http://schemas.openxmlformats.org/markup-compatibility/2006">
               <mc:Choice xmlns:v="urn:schemas-microsoft-com:vml" Requires="v">
-                <p:oleObj spid="_x0000_s5174" r:id="rId5" imgW="5854700" imgH="4978400" progId="Equation.3">
+                <p:oleObj spid="_x0000_s5177" r:id="rId5" imgW="5854700" imgH="4978400" progId="Equation.3">
                   <p:embed/>
                 </p:oleObj>
               </mc:Choice>
@@ -5856,7 +5856,7 @@
           <a:graphicData uri="http://schemas.openxmlformats.org/presentationml/2006/ole">
             <mc:AlternateContent xmlns:mc="http://schemas.openxmlformats.org/markup-compatibility/2006">
               <mc:Choice xmlns:v="urn:schemas-microsoft-com:vml" Requires="v">
-                <p:oleObj spid="_x0000_s5175" r:id="rId7" imgW="5854700" imgH="4978400" progId="Equation.3">
+                <p:oleObj spid="_x0000_s5178" r:id="rId7" imgW="5854700" imgH="4978400" progId="Equation.3">
                   <p:embed/>
                 </p:oleObj>
               </mc:Choice>
@@ -6000,7 +6000,7 @@
           <a:graphicData uri="http://schemas.openxmlformats.org/presentationml/2006/ole">
             <mc:AlternateContent xmlns:mc="http://schemas.openxmlformats.org/markup-compatibility/2006">
               <mc:Choice xmlns:v="urn:schemas-microsoft-com:vml" Requires="v">
-                <p:oleObj spid="_x0000_s16396" name="Document" r:id="rId3" imgW="5943600" imgH="7708900" progId="Word.Document.12">
+                <p:oleObj spid="_x0000_s16397" name="Document" r:id="rId3" imgW="5943600" imgH="7708900" progId="Word.Document.12">
                   <p:embed/>
                 </p:oleObj>
               </mc:Choice>
@@ -6128,7 +6128,7 @@
           <a:graphicData uri="http://schemas.openxmlformats.org/presentationml/2006/ole">
             <mc:AlternateContent xmlns:mc="http://schemas.openxmlformats.org/markup-compatibility/2006">
               <mc:Choice xmlns:v="urn:schemas-microsoft-com:vml" Requires="v">
-                <p:oleObj spid="_x0000_s7181" name="Document" r:id="rId3" imgW="5943600" imgH="4864100" progId="Word.Document.12">
+                <p:oleObj spid="_x0000_s7182" name="Document" r:id="rId3" imgW="5943600" imgH="4864100" progId="Word.Document.12">
                   <p:embed/>
                 </p:oleObj>
               </mc:Choice>
